--- a/gsoc17/tutorial/Android_Things_PWM/movie_presentation.pptx
+++ b/gsoc17/tutorial/Android_Things_PWM/movie_presentation.pptx
@@ -3393,7 +3393,7 @@
         </p:spPr>
         <p:txBody>
           <a:bodyPr>
-            <a:normAutofit lnSpcReduction="10000"/>
+            <a:normAutofit fontScale="92500" lnSpcReduction="10000"/>
           </a:bodyPr>
           <a:lstStyle/>
           <a:p>
@@ -3476,6 +3476,23 @@
             <a:r>
               <a:rPr lang="en-US" dirty="0" smtClean="0"/>
               <a:t>PWM device.</a:t>
+            </a:r>
+          </a:p>
+          <a:p>
+            <a:r>
+              <a:rPr lang="en-US" dirty="0" smtClean="0"/>
+              <a:t>Clock</a:t>
+            </a:r>
+          </a:p>
+          <a:p>
+            <a:pPr lvl="1"/>
+            <a:r>
+              <a:rPr lang="en-US" dirty="0" smtClean="0"/>
+              <a:t>To use in the </a:t>
+            </a:r>
+            <a:r>
+              <a:rPr lang="en-US" smtClean="0"/>
+              <a:t>delay procedure.</a:t>
             </a:r>
             <a:endParaRPr lang="en-US" dirty="0" smtClean="0"/>
           </a:p>
@@ -3926,7 +3943,7 @@
           <a:p>
             <a:r>
               <a:rPr lang="en-US" dirty="0" smtClean="0"/>
-              <a:t>Here are some of the global variables used in the program.</a:t>
+              <a:t>Here are all the global variables used in the program.</a:t>
             </a:r>
             <a:endParaRPr lang="en-US" dirty="0"/>
           </a:p>
@@ -4106,7 +4123,15 @@
           <a:p>
             <a:r>
               <a:rPr lang="en-US" dirty="0" smtClean="0"/>
-              <a:t>The direction of the motor and the duty cycle is changed in a loop.</a:t>
+              <a:t>The direction of the motor and the duty cycle </a:t>
+            </a:r>
+            <a:r>
+              <a:rPr lang="en-US" dirty="0" smtClean="0"/>
+              <a:t>are</a:t>
+            </a:r>
+            <a:r>
+              <a:rPr lang="en-US" dirty="0" smtClean="0"/>
+              <a:t> changed in a loop.</a:t>
             </a:r>
           </a:p>
           <a:p>
@@ -4369,6 +4394,13 @@
   <p:clrMapOvr>
     <a:masterClrMapping/>
   </p:clrMapOvr>
+  <p:timing>
+    <p:tnLst>
+      <p:par>
+        <p:cTn xmlns:p14="http://schemas.microsoft.com/office/powerpoint/2010/main" id="1" dur="indefinite" restart="never" nodeType="tmRoot"/>
+      </p:par>
+    </p:tnLst>
+  </p:timing>
 </p:sld>
 </file>
 
